--- a/Trainingstagebuch.pptx
+++ b/Trainingstagebuch.pptx
@@ -112,6 +112,11 @@
       </a:defRPr>
     </a:lvl9pPr>
   </p:defaultTextStyle>
+  <p:extLst>
+    <p:ext uri="{EFAFB233-063F-42B5-8137-9DF3F51BA10A}">
+      <p15:sldGuideLst xmlns:p15="http://schemas.microsoft.com/office/powerpoint/2012/main"/>
+    </p:ext>
+  </p:extLst>
 </p:presentation>
 </file>
 
@@ -264,7 +269,7 @@
           <a:p>
             <a:fld id="{45BB99FD-0255-41DE-8F4B-6149FC8FF074}" type="datetimeFigureOut">
               <a:rPr lang="en-AT" smtClean="0"/>
-              <a:t>17/06/2025</a:t>
+              <a:t>06/17/2025</a:t>
             </a:fld>
             <a:endParaRPr lang="en-AT"/>
           </a:p>
@@ -318,7 +323,7 @@
           <a:p>
             <a:fld id="{0BFE163F-481F-4DD5-9083-A21A28916D57}" type="slidenum">
               <a:rPr lang="en-AT" smtClean="0"/>
-              <a:t>‹#›</a:t>
+              <a:t>‹Nr.›</a:t>
             </a:fld>
             <a:endParaRPr lang="en-AT"/>
           </a:p>
@@ -464,7 +469,7 @@
           <a:p>
             <a:fld id="{45BB99FD-0255-41DE-8F4B-6149FC8FF074}" type="datetimeFigureOut">
               <a:rPr lang="en-AT" smtClean="0"/>
-              <a:t>17/06/2025</a:t>
+              <a:t>06/17/2025</a:t>
             </a:fld>
             <a:endParaRPr lang="en-AT"/>
           </a:p>
@@ -518,7 +523,7 @@
           <a:p>
             <a:fld id="{0BFE163F-481F-4DD5-9083-A21A28916D57}" type="slidenum">
               <a:rPr lang="en-AT" smtClean="0"/>
-              <a:t>‹#›</a:t>
+              <a:t>‹Nr.›</a:t>
             </a:fld>
             <a:endParaRPr lang="en-AT"/>
           </a:p>
@@ -674,7 +679,7 @@
           <a:p>
             <a:fld id="{45BB99FD-0255-41DE-8F4B-6149FC8FF074}" type="datetimeFigureOut">
               <a:rPr lang="en-AT" smtClean="0"/>
-              <a:t>17/06/2025</a:t>
+              <a:t>06/17/2025</a:t>
             </a:fld>
             <a:endParaRPr lang="en-AT"/>
           </a:p>
@@ -728,7 +733,7 @@
           <a:p>
             <a:fld id="{0BFE163F-481F-4DD5-9083-A21A28916D57}" type="slidenum">
               <a:rPr lang="en-AT" smtClean="0"/>
-              <a:t>‹#›</a:t>
+              <a:t>‹Nr.›</a:t>
             </a:fld>
             <a:endParaRPr lang="en-AT"/>
           </a:p>
@@ -874,7 +879,7 @@
           <a:p>
             <a:fld id="{45BB99FD-0255-41DE-8F4B-6149FC8FF074}" type="datetimeFigureOut">
               <a:rPr lang="en-AT" smtClean="0"/>
-              <a:t>17/06/2025</a:t>
+              <a:t>06/17/2025</a:t>
             </a:fld>
             <a:endParaRPr lang="en-AT"/>
           </a:p>
@@ -928,7 +933,7 @@
           <a:p>
             <a:fld id="{0BFE163F-481F-4DD5-9083-A21A28916D57}" type="slidenum">
               <a:rPr lang="en-AT" smtClean="0"/>
-              <a:t>‹#›</a:t>
+              <a:t>‹Nr.›</a:t>
             </a:fld>
             <a:endParaRPr lang="en-AT"/>
           </a:p>
@@ -1150,7 +1155,7 @@
           <a:p>
             <a:fld id="{45BB99FD-0255-41DE-8F4B-6149FC8FF074}" type="datetimeFigureOut">
               <a:rPr lang="en-AT" smtClean="0"/>
-              <a:t>17/06/2025</a:t>
+              <a:t>06/17/2025</a:t>
             </a:fld>
             <a:endParaRPr lang="en-AT"/>
           </a:p>
@@ -1204,7 +1209,7 @@
           <a:p>
             <a:fld id="{0BFE163F-481F-4DD5-9083-A21A28916D57}" type="slidenum">
               <a:rPr lang="en-AT" smtClean="0"/>
-              <a:t>‹#›</a:t>
+              <a:t>‹Nr.›</a:t>
             </a:fld>
             <a:endParaRPr lang="en-AT"/>
           </a:p>
@@ -1418,7 +1423,7 @@
           <a:p>
             <a:fld id="{45BB99FD-0255-41DE-8F4B-6149FC8FF074}" type="datetimeFigureOut">
               <a:rPr lang="en-AT" smtClean="0"/>
-              <a:t>17/06/2025</a:t>
+              <a:t>06/17/2025</a:t>
             </a:fld>
             <a:endParaRPr lang="en-AT"/>
           </a:p>
@@ -1472,7 +1477,7 @@
           <a:p>
             <a:fld id="{0BFE163F-481F-4DD5-9083-A21A28916D57}" type="slidenum">
               <a:rPr lang="en-AT" smtClean="0"/>
-              <a:t>‹#›</a:t>
+              <a:t>‹Nr.›</a:t>
             </a:fld>
             <a:endParaRPr lang="en-AT"/>
           </a:p>
@@ -1833,7 +1838,7 @@
           <a:p>
             <a:fld id="{45BB99FD-0255-41DE-8F4B-6149FC8FF074}" type="datetimeFigureOut">
               <a:rPr lang="en-AT" smtClean="0"/>
-              <a:t>17/06/2025</a:t>
+              <a:t>06/17/2025</a:t>
             </a:fld>
             <a:endParaRPr lang="en-AT"/>
           </a:p>
@@ -1887,7 +1892,7 @@
           <a:p>
             <a:fld id="{0BFE163F-481F-4DD5-9083-A21A28916D57}" type="slidenum">
               <a:rPr lang="en-AT" smtClean="0"/>
-              <a:t>‹#›</a:t>
+              <a:t>‹Nr.›</a:t>
             </a:fld>
             <a:endParaRPr lang="en-AT"/>
           </a:p>
@@ -1975,7 +1980,7 @@
           <a:p>
             <a:fld id="{45BB99FD-0255-41DE-8F4B-6149FC8FF074}" type="datetimeFigureOut">
               <a:rPr lang="en-AT" smtClean="0"/>
-              <a:t>17/06/2025</a:t>
+              <a:t>06/17/2025</a:t>
             </a:fld>
             <a:endParaRPr lang="en-AT"/>
           </a:p>
@@ -2029,7 +2034,7 @@
           <a:p>
             <a:fld id="{0BFE163F-481F-4DD5-9083-A21A28916D57}" type="slidenum">
               <a:rPr lang="en-AT" smtClean="0"/>
-              <a:t>‹#›</a:t>
+              <a:t>‹Nr.›</a:t>
             </a:fld>
             <a:endParaRPr lang="en-AT"/>
           </a:p>
@@ -2088,7 +2093,7 @@
           <a:p>
             <a:fld id="{45BB99FD-0255-41DE-8F4B-6149FC8FF074}" type="datetimeFigureOut">
               <a:rPr lang="en-AT" smtClean="0"/>
-              <a:t>17/06/2025</a:t>
+              <a:t>06/17/2025</a:t>
             </a:fld>
             <a:endParaRPr lang="en-AT"/>
           </a:p>
@@ -2142,7 +2147,7 @@
           <a:p>
             <a:fld id="{0BFE163F-481F-4DD5-9083-A21A28916D57}" type="slidenum">
               <a:rPr lang="en-AT" smtClean="0"/>
-              <a:t>‹#›</a:t>
+              <a:t>‹Nr.›</a:t>
             </a:fld>
             <a:endParaRPr lang="en-AT"/>
           </a:p>
@@ -2401,7 +2406,7 @@
           <a:p>
             <a:fld id="{45BB99FD-0255-41DE-8F4B-6149FC8FF074}" type="datetimeFigureOut">
               <a:rPr lang="en-AT" smtClean="0"/>
-              <a:t>17/06/2025</a:t>
+              <a:t>06/17/2025</a:t>
             </a:fld>
             <a:endParaRPr lang="en-AT"/>
           </a:p>
@@ -2455,7 +2460,7 @@
           <a:p>
             <a:fld id="{0BFE163F-481F-4DD5-9083-A21A28916D57}" type="slidenum">
               <a:rPr lang="en-AT" smtClean="0"/>
-              <a:t>‹#›</a:t>
+              <a:t>‹Nr.›</a:t>
             </a:fld>
             <a:endParaRPr lang="en-AT"/>
           </a:p>
@@ -2690,7 +2695,7 @@
           <a:p>
             <a:fld id="{45BB99FD-0255-41DE-8F4B-6149FC8FF074}" type="datetimeFigureOut">
               <a:rPr lang="en-AT" smtClean="0"/>
-              <a:t>17/06/2025</a:t>
+              <a:t>06/17/2025</a:t>
             </a:fld>
             <a:endParaRPr lang="en-AT"/>
           </a:p>
@@ -2744,7 +2749,7 @@
           <a:p>
             <a:fld id="{0BFE163F-481F-4DD5-9083-A21A28916D57}" type="slidenum">
               <a:rPr lang="en-AT" smtClean="0"/>
-              <a:t>‹#›</a:t>
+              <a:t>‹Nr.›</a:t>
             </a:fld>
             <a:endParaRPr lang="en-AT"/>
           </a:p>
@@ -2933,7 +2938,7 @@
           <a:p>
             <a:fld id="{45BB99FD-0255-41DE-8F4B-6149FC8FF074}" type="datetimeFigureOut">
               <a:rPr lang="en-AT" smtClean="0"/>
-              <a:t>17/06/2025</a:t>
+              <a:t>06/17/2025</a:t>
             </a:fld>
             <a:endParaRPr lang="en-AT"/>
           </a:p>
@@ -3023,7 +3028,7 @@
           <a:p>
             <a:fld id="{0BFE163F-481F-4DD5-9083-A21A28916D57}" type="slidenum">
               <a:rPr lang="en-AT" smtClean="0"/>
-              <a:t>‹#›</a:t>
+              <a:t>‹Nr.›</a:t>
             </a:fld>
             <a:endParaRPr lang="en-AT"/>
           </a:p>
@@ -3402,13 +3407,8 @@
           <a:p>
             <a:r>
               <a:rPr lang="en-GB" dirty="0"/>
-              <a:t>Jakob </a:t>
-            </a:r>
-            <a:r>
-              <a:rPr lang="en-GB" dirty="0" err="1"/>
-              <a:t>Ladurner</a:t>
-            </a:r>
-            <a:endParaRPr lang="en-GB" dirty="0"/>
+              <a:t>Jakob Ladurner</a:t>
+            </a:r>
           </a:p>
           <a:p>
             <a:r>
@@ -4236,7 +4236,7 @@
         <p:spPr/>
         <p:txBody>
           <a:bodyPr>
-            <a:normAutofit fontScale="92500" lnSpcReduction="20000"/>
+            <a:normAutofit lnSpcReduction="10000"/>
           </a:bodyPr>
           <a:lstStyle/>
           <a:p>
@@ -4279,7 +4279,15 @@
             </a:r>
             <a:r>
               <a:rPr lang="en-GB" dirty="0"/>
-              <a:t> files</a:t>
+              <a:t> files (</a:t>
+            </a:r>
+            <a:r>
+              <a:rPr lang="en-GB" dirty="0" err="1"/>
+              <a:t>kartendartstellung</a:t>
+            </a:r>
+            <a:r>
+              <a:rPr lang="en-GB" dirty="0"/>
+              <a:t> optional)</a:t>
             </a:r>
           </a:p>
           <a:p>
@@ -4348,22 +4356,9 @@
             <a:endParaRPr lang="en-GB" dirty="0"/>
           </a:p>
           <a:p>
-            <a:pPr marL="0" indent="0">
-              <a:buNone/>
-            </a:pPr>
-            <a:endParaRPr lang="en-GB" dirty="0"/>
-          </a:p>
-          <a:p>
-            <a:pPr marL="0" indent="0">
-              <a:buNone/>
-            </a:pPr>
-            <a:r>
-              <a:rPr lang="en-GB" dirty="0"/>
-              <a:t>Falls </a:t>
-            </a:r>
             <a:r>
               <a:rPr lang="en-GB" dirty="0" err="1"/>
-              <a:t>nicht</a:t>
+              <a:t>Registreirmöglichkeit</a:t>
             </a:r>
             <a:r>
               <a:rPr lang="en-GB" dirty="0"/>
@@ -4371,7 +4366,15 @@
             </a:r>
             <a:r>
               <a:rPr lang="en-GB" dirty="0" err="1"/>
-              <a:t>genügend</a:t>
+              <a:t>oder</a:t>
+            </a:r>
+            <a:r>
+              <a:rPr lang="en-GB" dirty="0"/>
+              <a:t> Admit </a:t>
+            </a:r>
+            <a:r>
+              <a:rPr lang="en-GB" dirty="0" err="1"/>
+              <a:t>kann</a:t>
             </a:r>
             <a:r>
               <a:rPr lang="en-GB" dirty="0"/>
@@ -4379,7 +4382,7 @@
             </a:r>
             <a:r>
               <a:rPr lang="en-GB" dirty="0" err="1"/>
-              <a:t>Punkte</a:t>
+              <a:t>persnonen</a:t>
             </a:r>
             <a:r>
               <a:rPr lang="en-GB" dirty="0"/>
@@ -4387,47 +4390,15 @@
             </a:r>
             <a:r>
               <a:rPr lang="en-GB" dirty="0" err="1"/>
-              <a:t>noch</a:t>
+              <a:t>anlegen</a:t>
             </a:r>
             <a:r>
               <a:rPr lang="en-GB" dirty="0"/>
               <a:t> </a:t>
             </a:r>
             <a:r>
-              <a:rPr lang="en-GB" dirty="0" err="1"/>
-              <a:t>registrieren</a:t>
-            </a:r>
-            <a:r>
-              <a:rPr lang="en-GB" dirty="0"/>
-              <a:t>, </a:t>
-            </a:r>
-            <a:r>
-              <a:rPr lang="en-GB" dirty="0" err="1"/>
-              <a:t>ansonsten</a:t>
-            </a:r>
-            <a:r>
-              <a:rPr lang="en-GB" dirty="0"/>
-              <a:t> </a:t>
-            </a:r>
-            <a:r>
-              <a:rPr lang="en-GB" dirty="0" err="1"/>
-              <a:t>wird</a:t>
-            </a:r>
-            <a:r>
-              <a:rPr lang="en-GB" dirty="0"/>
-              <a:t> das </a:t>
-            </a:r>
-            <a:r>
-              <a:rPr lang="en-GB" dirty="0" err="1"/>
-              <a:t>eine</a:t>
-            </a:r>
-            <a:r>
-              <a:rPr lang="en-GB" dirty="0"/>
-              <a:t> Admin </a:t>
-            </a:r>
-            <a:r>
-              <a:rPr lang="en-GB" dirty="0" err="1"/>
-              <a:t>Funktion</a:t>
+              <a:rPr lang="en-GB"/>
+              <a:t>(optional)</a:t>
             </a:r>
             <a:endParaRPr lang="en-GB" dirty="0"/>
           </a:p>
